--- a/Documentation/Concepts/Pisciculture/Document de cadrage.pptx
+++ b/Documentation/Concepts/Pisciculture/Document de cadrage.pptx
@@ -13,6 +13,7 @@
     <p:sldId id="265" r:id="rId7"/>
     <p:sldId id="266" r:id="rId8"/>
     <p:sldId id="267" r:id="rId9"/>
+    <p:sldId id="268" r:id="rId10"/>
   </p:sldIdLst>
   <p:sldSz cx="9144000" cy="6858000" type="screen4x3"/>
   <p:notesSz cx="6858000" cy="9144000"/>
@@ -225,7 +226,7 @@
           <a:p>
             <a:fld id="{9F751330-EA74-4835-88B2-DBFE401A82A0}" type="datetimeFigureOut">
               <a:rPr lang="fr-BE" smtClean="0"/>
-              <a:t>26/11/2014</a:t>
+              <a:t>5/12/2014</a:t>
             </a:fld>
             <a:endParaRPr lang="fr-BE"/>
           </a:p>
@@ -451,7 +452,7 @@
           <a:p>
             <a:fld id="{9F751330-EA74-4835-88B2-DBFE401A82A0}" type="datetimeFigureOut">
               <a:rPr lang="fr-BE" smtClean="0"/>
-              <a:t>26/11/2014</a:t>
+              <a:t>5/12/2014</a:t>
             </a:fld>
             <a:endParaRPr lang="fr-BE"/>
           </a:p>
@@ -626,7 +627,7 @@
           <a:p>
             <a:fld id="{9F751330-EA74-4835-88B2-DBFE401A82A0}" type="datetimeFigureOut">
               <a:rPr lang="fr-BE" smtClean="0"/>
-              <a:t>26/11/2014</a:t>
+              <a:t>5/12/2014</a:t>
             </a:fld>
             <a:endParaRPr lang="fr-BE"/>
           </a:p>
@@ -791,7 +792,7 @@
           <a:p>
             <a:fld id="{9F751330-EA74-4835-88B2-DBFE401A82A0}" type="datetimeFigureOut">
               <a:rPr lang="fr-BE" smtClean="0"/>
-              <a:t>26/11/2014</a:t>
+              <a:t>5/12/2014</a:t>
             </a:fld>
             <a:endParaRPr lang="fr-BE"/>
           </a:p>
@@ -1030,7 +1031,7 @@
           <a:p>
             <a:fld id="{9F751330-EA74-4835-88B2-DBFE401A82A0}" type="datetimeFigureOut">
               <a:rPr lang="fr-BE" smtClean="0"/>
-              <a:t>26/11/2014</a:t>
+              <a:t>5/12/2014</a:t>
             </a:fld>
             <a:endParaRPr lang="fr-BE"/>
           </a:p>
@@ -1294,7 +1295,7 @@
           <a:p>
             <a:fld id="{9F751330-EA74-4835-88B2-DBFE401A82A0}" type="datetimeFigureOut">
               <a:rPr lang="fr-BE" smtClean="0"/>
-              <a:t>26/11/2014</a:t>
+              <a:t>5/12/2014</a:t>
             </a:fld>
             <a:endParaRPr lang="fr-BE"/>
           </a:p>
@@ -1668,7 +1669,7 @@
           <a:p>
             <a:fld id="{9F751330-EA74-4835-88B2-DBFE401A82A0}" type="datetimeFigureOut">
               <a:rPr lang="fr-BE" smtClean="0"/>
-              <a:t>26/11/2014</a:t>
+              <a:t>5/12/2014</a:t>
             </a:fld>
             <a:endParaRPr lang="fr-BE"/>
           </a:p>
@@ -1781,7 +1782,7 @@
           <a:p>
             <a:fld id="{9F751330-EA74-4835-88B2-DBFE401A82A0}" type="datetimeFigureOut">
               <a:rPr lang="fr-BE" smtClean="0"/>
-              <a:t>26/11/2014</a:t>
+              <a:t>5/12/2014</a:t>
             </a:fld>
             <a:endParaRPr lang="fr-BE"/>
           </a:p>
@@ -1871,7 +1872,7 @@
           <a:p>
             <a:fld id="{9F751330-EA74-4835-88B2-DBFE401A82A0}" type="datetimeFigureOut">
               <a:rPr lang="fr-BE" smtClean="0"/>
-              <a:t>26/11/2014</a:t>
+              <a:t>5/12/2014</a:t>
             </a:fld>
             <a:endParaRPr lang="fr-BE"/>
           </a:p>
@@ -2129,7 +2130,7 @@
           <a:p>
             <a:fld id="{9F751330-EA74-4835-88B2-DBFE401A82A0}" type="datetimeFigureOut">
               <a:rPr lang="fr-BE" smtClean="0"/>
-              <a:t>26/11/2014</a:t>
+              <a:t>5/12/2014</a:t>
             </a:fld>
             <a:endParaRPr lang="fr-BE"/>
           </a:p>
@@ -2393,7 +2394,7 @@
           <a:p>
             <a:fld id="{9F751330-EA74-4835-88B2-DBFE401A82A0}" type="datetimeFigureOut">
               <a:rPr lang="fr-BE" smtClean="0"/>
-              <a:t>26/11/2014</a:t>
+              <a:t>5/12/2014</a:t>
             </a:fld>
             <a:endParaRPr lang="fr-BE"/>
           </a:p>
@@ -2634,7 +2635,7 @@
           <a:p>
             <a:fld id="{9F751330-EA74-4835-88B2-DBFE401A82A0}" type="datetimeFigureOut">
               <a:rPr lang="fr-BE" smtClean="0"/>
-              <a:t>26/11/2014</a:t>
+              <a:t>5/12/2014</a:t>
             </a:fld>
             <a:endParaRPr lang="fr-BE"/>
           </a:p>
@@ -3086,7 +3087,7 @@
           <a:p>
             <a:r>
               <a:rPr lang="fr-BE" dirty="0" smtClean="0"/>
-              <a:t>Name</a:t>
+              <a:t>Bi App - Pisciculture</a:t>
             </a:r>
             <a:endParaRPr lang="fr-BE" dirty="0"/>
           </a:p>
@@ -3171,7 +3172,6 @@
               <a:rPr lang="fr-BE" dirty="0" smtClean="0"/>
               <a:t>Public : 7+</a:t>
             </a:r>
-            <a:endParaRPr lang="fr-BE" dirty="0" smtClean="0"/>
           </a:p>
           <a:p>
             <a:r>
@@ -3187,25 +3187,43 @@
           <a:p>
             <a:r>
               <a:rPr lang="fr-BE" dirty="0" smtClean="0"/>
-              <a:t>Genre : Educatif</a:t>
-            </a:r>
-            <a:endParaRPr lang="fr-BE" dirty="0" smtClean="0"/>
+              <a:t>Genre : Educatif, simulation</a:t>
+            </a:r>
           </a:p>
           <a:p>
             <a:r>
               <a:rPr lang="fr-BE" dirty="0" smtClean="0"/>
-              <a:t>Support </a:t>
-            </a:r>
-            <a:r>
-              <a:rPr lang="fr-BE" smtClean="0"/>
-              <a:t>: tablette</a:t>
-            </a:r>
-            <a:endParaRPr lang="fr-BE" dirty="0" smtClean="0"/>
+              <a:t>Support : tablette</a:t>
+            </a:r>
           </a:p>
           <a:p>
             <a:r>
               <a:rPr lang="fr-BE" dirty="0" smtClean="0"/>
-              <a:t>Référence</a:t>
+              <a:t>Référence : Hey </a:t>
+            </a:r>
+            <a:r>
+              <a:rPr lang="fr-BE" dirty="0" err="1" smtClean="0"/>
+              <a:t>day</a:t>
+            </a:r>
+            <a:r>
+              <a:rPr lang="fr-BE" dirty="0" smtClean="0"/>
+              <a:t>, roller </a:t>
+            </a:r>
+            <a:r>
+              <a:rPr lang="fr-BE" dirty="0" err="1" smtClean="0"/>
+              <a:t>coaster</a:t>
+            </a:r>
+            <a:r>
+              <a:rPr lang="fr-BE" dirty="0" smtClean="0"/>
+              <a:t> </a:t>
+            </a:r>
+            <a:r>
+              <a:rPr lang="fr-BE" dirty="0" err="1" smtClean="0"/>
+              <a:t>tycoon</a:t>
+            </a:r>
+            <a:r>
+              <a:rPr lang="fr-BE" dirty="0" smtClean="0"/>
+              <a:t> 2</a:t>
             </a:r>
           </a:p>
           <a:p>
@@ -3290,24 +3308,142 @@
           <a:p>
             <a:r>
               <a:rPr lang="fr-BE" dirty="0" smtClean="0"/>
-              <a:t>Na </a:t>
-            </a:r>
-            <a:r>
-              <a:rPr lang="fr-BE" dirty="0" err="1" smtClean="0"/>
-              <a:t>na</a:t>
-            </a:r>
+              <a:t>Construire une pisciculture</a:t>
+            </a:r>
+            <a:r>
+              <a:rPr lang="fr-BE" dirty="0"/>
+              <a:t>. </a:t>
+            </a:r>
+            <a:endParaRPr lang="fr-BE" dirty="0" smtClean="0"/>
+          </a:p>
+          <a:p>
+            <a:endParaRPr lang="fr-BE" dirty="0"/>
+          </a:p>
+          <a:p>
+            <a:endParaRPr lang="fr-BE" dirty="0" smtClean="0"/>
+          </a:p>
+          <a:p>
             <a:r>
               <a:rPr lang="fr-BE" dirty="0" smtClean="0"/>
-              <a:t> ni </a:t>
-            </a:r>
-            <a:r>
-              <a:rPr lang="fr-BE" dirty="0" err="1" smtClean="0"/>
-              <a:t>bnakjebfez</a:t>
-            </a:r>
+              <a:t>Créer </a:t>
+            </a:r>
+            <a:r>
+              <a:rPr lang="fr-BE" dirty="0"/>
+              <a:t>l’écosystème des espèces</a:t>
+            </a:r>
+            <a:r>
+              <a:rPr lang="fr-BE" dirty="0" smtClean="0"/>
+              <a:t>.</a:t>
+            </a:r>
+          </a:p>
+          <a:p>
             <a:endParaRPr lang="fr-BE" dirty="0"/>
           </a:p>
-        </p:txBody>
-      </p:sp>
+          <a:p>
+            <a:endParaRPr lang="fr-BE" dirty="0" smtClean="0"/>
+          </a:p>
+          <a:p>
+            <a:r>
+              <a:rPr lang="fr-BE" dirty="0" smtClean="0"/>
+              <a:t>Gérer un musée marin.</a:t>
+            </a:r>
+            <a:endParaRPr lang="fr-BE" dirty="0"/>
+          </a:p>
+        </p:txBody>
+      </p:sp>
+      <p:pic>
+        <p:nvPicPr>
+          <p:cNvPr id="4" name="Image 3" descr="http://3.bp.blogspot.com/-VaV43akOD9I/Uf50_-NkguI/AAAAAAAABP8/PZOvkkM3yWQ/s1600/Nouvelle+image+(11).png"/>
+          <p:cNvPicPr/>
+          <p:nvPr/>
+        </p:nvPicPr>
+        <p:blipFill>
+          <a:blip r:embed="rId2" cstate="print">
+            <a:extLst>
+              <a:ext uri="{28A0092B-C50C-407E-A947-70E740481C1C}">
+                <a14:useLocalDpi xmlns:a14="http://schemas.microsoft.com/office/drawing/2010/main" val="0"/>
+              </a:ext>
+            </a:extLst>
+          </a:blip>
+          <a:srcRect/>
+          <a:stretch>
+            <a:fillRect/>
+          </a:stretch>
+        </p:blipFill>
+        <p:spPr bwMode="auto">
+          <a:xfrm>
+            <a:off x="6300190" y="2636912"/>
+            <a:ext cx="2099315" cy="1496953"/>
+          </a:xfrm>
+          <a:prstGeom prst="rect">
+            <a:avLst/>
+          </a:prstGeom>
+          <a:noFill/>
+          <a:ln>
+            <a:noFill/>
+          </a:ln>
+        </p:spPr>
+      </p:pic>
+      <p:pic>
+        <p:nvPicPr>
+          <p:cNvPr id="5" name="Image 4"/>
+          <p:cNvPicPr>
+            <a:picLocks noChangeAspect="1"/>
+          </p:cNvPicPr>
+          <p:nvPr/>
+        </p:nvPicPr>
+        <p:blipFill>
+          <a:blip r:embed="rId3">
+            <a:extLst>
+              <a:ext uri="{28A0092B-C50C-407E-A947-70E740481C1C}">
+                <a14:useLocalDpi xmlns:a14="http://schemas.microsoft.com/office/drawing/2010/main" val="0"/>
+              </a:ext>
+            </a:extLst>
+          </a:blip>
+          <a:stretch>
+            <a:fillRect/>
+          </a:stretch>
+        </p:blipFill>
+        <p:spPr>
+          <a:xfrm>
+            <a:off x="5652120" y="1196752"/>
+            <a:ext cx="3048000" cy="1229360"/>
+          </a:xfrm>
+          <a:prstGeom prst="rect">
+            <a:avLst/>
+          </a:prstGeom>
+        </p:spPr>
+      </p:pic>
+      <p:pic>
+        <p:nvPicPr>
+          <p:cNvPr id="6" name="Image 5"/>
+          <p:cNvPicPr>
+            <a:picLocks noChangeAspect="1"/>
+          </p:cNvPicPr>
+          <p:nvPr/>
+        </p:nvPicPr>
+        <p:blipFill>
+          <a:blip r:embed="rId4">
+            <a:extLst>
+              <a:ext uri="{28A0092B-C50C-407E-A947-70E740481C1C}">
+                <a14:useLocalDpi xmlns:a14="http://schemas.microsoft.com/office/drawing/2010/main" val="0"/>
+              </a:ext>
+            </a:extLst>
+          </a:blip>
+          <a:stretch>
+            <a:fillRect/>
+          </a:stretch>
+        </p:blipFill>
+        <p:spPr>
+          <a:xfrm>
+            <a:off x="5140526" y="4797152"/>
+            <a:ext cx="3462020" cy="1705678"/>
+          </a:xfrm>
+          <a:prstGeom prst="rect">
+            <a:avLst/>
+          </a:prstGeom>
+        </p:spPr>
+      </p:pic>
     </p:spTree>
     <p:extLst>
       <p:ext uri="{BB962C8B-B14F-4D97-AF65-F5344CB8AC3E}">
@@ -3355,7 +3491,12 @@
             <p:ph type="title"/>
           </p:nvPr>
         </p:nvSpPr>
-        <p:spPr/>
+        <p:spPr>
+          <a:xfrm>
+            <a:off x="395536" y="260648"/>
+            <a:ext cx="8229600" cy="1143000"/>
+          </a:xfrm>
+        </p:spPr>
         <p:txBody>
           <a:bodyPr/>
           <a:lstStyle/>
@@ -3372,25 +3513,38 @@
           </a:p>
         </p:txBody>
       </p:sp>
-      <p:sp>
-        <p:nvSpPr>
-          <p:cNvPr id="3" name="Espace réservé du contenu 2"/>
-          <p:cNvSpPr>
-            <a:spLocks noGrp="1"/>
-          </p:cNvSpPr>
+      <p:pic>
+        <p:nvPicPr>
+          <p:cNvPr id="4" name="Espace réservé du contenu 3"/>
+          <p:cNvPicPr>
+            <a:picLocks noGrp="1"/>
+          </p:cNvPicPr>
           <p:nvPr>
             <p:ph idx="1"/>
           </p:nvPr>
-        </p:nvSpPr>
-        <p:spPr/>
-        <p:txBody>
-          <a:bodyPr/>
-          <a:lstStyle/>
-          <a:p>
-            <a:endParaRPr lang="fr-BE"/>
-          </a:p>
-        </p:txBody>
-      </p:sp>
+        </p:nvPicPr>
+        <p:blipFill>
+          <a:blip r:embed="rId2">
+            <a:extLst>
+              <a:ext uri="{28A0092B-C50C-407E-A947-70E740481C1C}">
+                <a14:useLocalDpi xmlns:a14="http://schemas.microsoft.com/office/drawing/2010/main" val="0"/>
+              </a:ext>
+            </a:extLst>
+          </a:blip>
+          <a:stretch>
+            <a:fillRect/>
+          </a:stretch>
+        </p:blipFill>
+        <p:spPr>
+          <a:xfrm>
+            <a:off x="1907704" y="2132856"/>
+            <a:ext cx="4607387" cy="3527797"/>
+          </a:xfrm>
+          <a:prstGeom prst="rect">
+            <a:avLst/>
+          </a:prstGeom>
+        </p:spPr>
+      </p:pic>
     </p:spTree>
     <p:extLst>
       <p:ext uri="{BB962C8B-B14F-4D97-AF65-F5344CB8AC3E}">
@@ -3451,22 +3605,76 @@
           </a:p>
         </p:txBody>
       </p:sp>
-      <p:sp>
-        <p:nvSpPr>
-          <p:cNvPr id="3" name="Espace réservé du contenu 2"/>
-          <p:cNvSpPr>
-            <a:spLocks noGrp="1"/>
-          </p:cNvSpPr>
+      <p:pic>
+        <p:nvPicPr>
+          <p:cNvPr id="4" name="Espace réservé du contenu 3" descr="http://lukeandcatsblog.com/images/content/2HayDay.jpg"/>
+          <p:cNvPicPr>
+            <a:picLocks noGrp="1"/>
+          </p:cNvPicPr>
           <p:nvPr>
             <p:ph idx="1"/>
           </p:nvPr>
-        </p:nvSpPr>
-        <p:spPr/>
-        <p:txBody>
-          <a:bodyPr/>
-          <a:lstStyle/>
-          <a:p>
-            <a:endParaRPr lang="fr-BE"/>
+        </p:nvPicPr>
+        <p:blipFill>
+          <a:blip r:embed="rId2">
+            <a:extLst>
+              <a:ext uri="{28A0092B-C50C-407E-A947-70E740481C1C}">
+                <a14:useLocalDpi xmlns:a14="http://schemas.microsoft.com/office/drawing/2010/main" val="0"/>
+              </a:ext>
+            </a:extLst>
+          </a:blip>
+          <a:srcRect/>
+          <a:stretch>
+            <a:fillRect/>
+          </a:stretch>
+        </p:blipFill>
+        <p:spPr bwMode="auto">
+          <a:xfrm>
+            <a:off x="3059832" y="3429000"/>
+            <a:ext cx="3336032" cy="1876518"/>
+          </a:xfrm>
+          <a:prstGeom prst="rect">
+            <a:avLst/>
+          </a:prstGeom>
+          <a:ln>
+            <a:noFill/>
+          </a:ln>
+          <a:effectLst>
+            <a:outerShdw blurRad="292100" dist="139700" dir="2700000" algn="tl" rotWithShape="0">
+              <a:srgbClr val="333333">
+                <a:alpha val="65000"/>
+              </a:srgbClr>
+            </a:outerShdw>
+          </a:effectLst>
+        </p:spPr>
+      </p:pic>
+      <p:sp>
+        <p:nvSpPr>
+          <p:cNvPr id="3" name="ZoneTexte 2"/>
+          <p:cNvSpPr txBox="1"/>
+          <p:nvPr/>
+        </p:nvSpPr>
+        <p:spPr>
+          <a:xfrm>
+            <a:off x="3923928" y="1988840"/>
+            <a:ext cx="1336328" cy="369332"/>
+          </a:xfrm>
+          <a:prstGeom prst="rect">
+            <a:avLst/>
+          </a:prstGeom>
+          <a:noFill/>
+        </p:spPr>
+        <p:txBody>
+          <a:bodyPr wrap="none" rtlCol="0">
+            <a:spAutoFit/>
+          </a:bodyPr>
+          <a:lstStyle/>
+          <a:p>
+            <a:r>
+              <a:rPr lang="fr-BE" dirty="0"/>
+              <a:t>vue de haut</a:t>
+            </a:r>
+            <a:endParaRPr lang="fr-BE" dirty="0"/>
           </a:p>
         </p:txBody>
       </p:sp>
@@ -3545,7 +3753,35 @@
           <a:bodyPr/>
           <a:lstStyle/>
           <a:p>
-            <a:endParaRPr lang="fr-BE"/>
+            <a:r>
+              <a:rPr lang="fr-BE" dirty="0" smtClean="0"/>
+              <a:t>Le </a:t>
+            </a:r>
+            <a:r>
+              <a:rPr lang="fr-BE" dirty="0" smtClean="0"/>
+              <a:t>joueur va construire une </a:t>
+            </a:r>
+            <a:r>
+              <a:rPr lang="fr-BE" dirty="0" smtClean="0"/>
+              <a:t>pisciculture.</a:t>
+            </a:r>
+          </a:p>
+          <a:p>
+            <a:r>
+              <a:rPr lang="fr-BE" dirty="0"/>
+              <a:t>Le joueur va gérer un musée aquatique.</a:t>
+            </a:r>
+          </a:p>
+          <a:p>
+            <a:r>
+              <a:rPr lang="fr-BE" dirty="0" smtClean="0"/>
+              <a:t>Il va pouvoir construire des </a:t>
+            </a:r>
+            <a:r>
+              <a:rPr lang="fr-BE" smtClean="0"/>
+              <a:t>bâtiments. </a:t>
+            </a:r>
+            <a:endParaRPr lang="fr-BE" dirty="0" smtClean="0"/>
           </a:p>
         </p:txBody>
       </p:sp>
@@ -3609,22 +3845,62 @@
           </a:p>
         </p:txBody>
       </p:sp>
-      <p:sp>
-        <p:nvSpPr>
-          <p:cNvPr id="3" name="Espace réservé du contenu 2"/>
-          <p:cNvSpPr>
-            <a:spLocks noGrp="1"/>
-          </p:cNvSpPr>
+      <p:pic>
+        <p:nvPicPr>
+          <p:cNvPr id="4" name="Espace réservé du contenu 3"/>
+          <p:cNvPicPr>
+            <a:picLocks noGrp="1" noChangeAspect="1"/>
+          </p:cNvPicPr>
           <p:nvPr>
             <p:ph idx="1"/>
           </p:nvPr>
-        </p:nvSpPr>
-        <p:spPr/>
-        <p:txBody>
-          <a:bodyPr/>
-          <a:lstStyle/>
-          <a:p>
-            <a:endParaRPr lang="fr-BE"/>
+        </p:nvPicPr>
+        <p:blipFill>
+          <a:blip r:embed="rId2">
+            <a:extLst>
+              <a:ext uri="{28A0092B-C50C-407E-A947-70E740481C1C}">
+                <a14:useLocalDpi xmlns:a14="http://schemas.microsoft.com/office/drawing/2010/main" val="0"/>
+              </a:ext>
+            </a:extLst>
+          </a:blip>
+          <a:stretch>
+            <a:fillRect/>
+          </a:stretch>
+        </p:blipFill>
+        <p:spPr>
+          <a:xfrm>
+            <a:off x="1619672" y="2060848"/>
+            <a:ext cx="5999454" cy="4204469"/>
+          </a:xfrm>
+        </p:spPr>
+      </p:pic>
+      <p:sp>
+        <p:nvSpPr>
+          <p:cNvPr id="5" name="ZoneTexte 4"/>
+          <p:cNvSpPr txBox="1"/>
+          <p:nvPr/>
+        </p:nvSpPr>
+        <p:spPr>
+          <a:xfrm>
+            <a:off x="1979712" y="1916832"/>
+            <a:ext cx="550407" cy="369332"/>
+          </a:xfrm>
+          <a:prstGeom prst="rect">
+            <a:avLst/>
+          </a:prstGeom>
+          <a:noFill/>
+        </p:spPr>
+        <p:txBody>
+          <a:bodyPr wrap="none" rtlCol="0">
+            <a:spAutoFit/>
+          </a:bodyPr>
+          <a:lstStyle/>
+          <a:p>
+            <a:r>
+              <a:rPr lang="fr-BE" dirty="0" err="1" smtClean="0"/>
+              <a:t>Tap</a:t>
+            </a:r>
+            <a:endParaRPr lang="fr-BE" dirty="0"/>
           </a:p>
         </p:txBody>
       </p:sp>
@@ -3703,7 +3979,29 @@
           <a:bodyPr/>
           <a:lstStyle/>
           <a:p>
-            <a:endParaRPr lang="fr-BE"/>
+            <a:r>
+              <a:rPr lang="fr-BE" dirty="0">
+                <a:hlinkClick r:id="rId2"/>
+              </a:rPr>
+              <a:t>https://</a:t>
+            </a:r>
+            <a:r>
+              <a:rPr lang="fr-BE" dirty="0" smtClean="0">
+                <a:hlinkClick r:id="rId2"/>
+              </a:rPr>
+              <a:t>www.youtube.com/watch?v=ED-xH_jXkYE#t=77</a:t>
+            </a:r>
+            <a:endParaRPr lang="fr-BE" dirty="0" smtClean="0"/>
+          </a:p>
+          <a:p>
+            <a:endParaRPr lang="fr-BE" dirty="0"/>
+          </a:p>
+          <a:p>
+            <a:r>
+              <a:rPr lang="fr-BE" dirty="0"/>
+              <a:t>https://www.youtube.com/watch?v=-p92C68ghf8#t=40</a:t>
+            </a:r>
+            <a:endParaRPr lang="fr-BE" dirty="0"/>
           </a:p>
         </p:txBody>
       </p:sp>
@@ -3711,6 +4009,107 @@
     <p:extLst>
       <p:ext uri="{BB962C8B-B14F-4D97-AF65-F5344CB8AC3E}">
         <p14:creationId xmlns:p14="http://schemas.microsoft.com/office/powerpoint/2010/main" val="3503227637"/>
+      </p:ext>
+    </p:extLst>
+  </p:cSld>
+  <p:clrMapOvr>
+    <a:masterClrMapping/>
+  </p:clrMapOvr>
+  <p:timing>
+    <p:tnLst>
+      <p:par>
+        <p:cTn id="1" dur="indefinite" restart="never" nodeType="tmRoot"/>
+      </p:par>
+    </p:tnLst>
+  </p:timing>
+</p:sld>
+</file>
+
+<file path=ppt/slides/slide9.xml><?xml version="1.0" encoding="utf-8"?>
+<p:sld xmlns:a="http://schemas.openxmlformats.org/drawingml/2006/main" xmlns:r="http://schemas.openxmlformats.org/officeDocument/2006/relationships" xmlns:p="http://schemas.openxmlformats.org/presentationml/2006/main">
+  <p:cSld>
+    <p:spTree>
+      <p:nvGrpSpPr>
+        <p:cNvPr id="1" name=""/>
+        <p:cNvGrpSpPr/>
+        <p:nvPr/>
+      </p:nvGrpSpPr>
+      <p:grpSpPr>
+        <a:xfrm>
+          <a:off x="0" y="0"/>
+          <a:ext cx="0" cy="0"/>
+          <a:chOff x="0" y="0"/>
+          <a:chExt cx="0" cy="0"/>
+        </a:xfrm>
+      </p:grpSpPr>
+      <p:sp>
+        <p:nvSpPr>
+          <p:cNvPr id="2" name="Titre 1"/>
+          <p:cNvSpPr>
+            <a:spLocks noGrp="1"/>
+          </p:cNvSpPr>
+          <p:nvPr>
+            <p:ph type="title"/>
+          </p:nvPr>
+        </p:nvSpPr>
+        <p:spPr/>
+        <p:txBody>
+          <a:bodyPr/>
+          <a:lstStyle/>
+          <a:p>
+            <a:r>
+              <a:rPr lang="fr-BE" dirty="0" err="1" smtClean="0"/>
+              <a:t>Réferences</a:t>
+            </a:r>
+            <a:endParaRPr lang="fr-BE" dirty="0"/>
+          </a:p>
+        </p:txBody>
+      </p:sp>
+      <p:sp>
+        <p:nvSpPr>
+          <p:cNvPr id="3" name="Espace réservé du contenu 2"/>
+          <p:cNvSpPr>
+            <a:spLocks noGrp="1"/>
+          </p:cNvSpPr>
+          <p:nvPr>
+            <p:ph idx="1"/>
+          </p:nvPr>
+        </p:nvSpPr>
+        <p:spPr/>
+        <p:txBody>
+          <a:bodyPr/>
+          <a:lstStyle/>
+          <a:p>
+            <a:r>
+              <a:rPr lang="fr-BE" dirty="0">
+                <a:hlinkClick r:id="rId2"/>
+              </a:rPr>
+              <a:t>https://</a:t>
+            </a:r>
+            <a:r>
+              <a:rPr lang="fr-BE" dirty="0" smtClean="0">
+                <a:hlinkClick r:id="rId2"/>
+              </a:rPr>
+              <a:t>www.youtube.com/watch?v=ED-xH_jXkYE#t=77</a:t>
+            </a:r>
+            <a:endParaRPr lang="fr-BE" dirty="0" smtClean="0"/>
+          </a:p>
+          <a:p>
+            <a:endParaRPr lang="fr-BE" dirty="0"/>
+          </a:p>
+          <a:p>
+            <a:r>
+              <a:rPr lang="fr-BE" dirty="0"/>
+              <a:t>https://www.youtube.com/watch?v=-p92C68ghf8#t=40</a:t>
+            </a:r>
+            <a:endParaRPr lang="fr-BE" dirty="0"/>
+          </a:p>
+        </p:txBody>
+      </p:sp>
+    </p:spTree>
+    <p:extLst>
+      <p:ext uri="{BB962C8B-B14F-4D97-AF65-F5344CB8AC3E}">
+        <p14:creationId xmlns:p14="http://schemas.microsoft.com/office/powerpoint/2010/main" val="1131250095"/>
       </p:ext>
     </p:extLst>
   </p:cSld>
